--- a/Final Project ITI.pptx
+++ b/Final Project ITI.pptx
@@ -5,23 +5,22 @@
     <p:sldMasterId id="2147483648" r:id="rId1"/>
   </p:sldMasterIdLst>
   <p:notesMasterIdLst>
-    <p:notesMasterId r:id="rId15"/>
+    <p:notesMasterId r:id="rId7"/>
   </p:notesMasterIdLst>
   <p:sldIdLst>
     <p:sldId id="256" r:id="rId3"/>
     <p:sldId id="257" r:id="rId4"/>
     <p:sldId id="261" r:id="rId5"/>
     <p:sldId id="262" r:id="rId6"/>
-    <p:sldId id="263" r:id="rId7"/>
-    <p:sldId id="264" r:id="rId8"/>
-    <p:sldId id="265" r:id="rId9"/>
-    <p:sldId id="266" r:id="rId10"/>
-    <p:sldId id="267" r:id="rId11"/>
+    <p:sldId id="263" r:id="rId8"/>
+    <p:sldId id="264" r:id="rId9"/>
+    <p:sldId id="265" r:id="rId10"/>
+    <p:sldId id="266" r:id="rId11"/>
     <p:sldId id="268" r:id="rId12"/>
-    <p:sldId id="269" r:id="rId13"/>
-    <p:sldId id="270" r:id="rId14"/>
-    <p:sldId id="271" r:id="rId16"/>
-    <p:sldId id="272" r:id="rId17"/>
+    <p:sldId id="270" r:id="rId13"/>
+    <p:sldId id="273" r:id="rId14"/>
+    <p:sldId id="271" r:id="rId15"/>
+    <p:sldId id="272" r:id="rId16"/>
   </p:sldIdLst>
   <p:sldSz cx="12192000" cy="6858000"/>
   <p:notesSz cx="6858000" cy="9144000"/>
@@ -471,6 +470,54 @@
 </file>
 
 <file path=ppt/notesSlides/notesSlide1.xml><?xml version="1.0" encoding="utf-8"?>
+<p:notes xmlns:a="http://schemas.openxmlformats.org/drawingml/2006/main" xmlns:r="http://schemas.openxmlformats.org/officeDocument/2006/relationships" xmlns:p="http://schemas.openxmlformats.org/presentationml/2006/main">
+  <p:cSld>
+    <p:spTree>
+      <p:nvGrpSpPr>
+        <p:cNvPr id="1" name=""/>
+        <p:cNvGrpSpPr/>
+        <p:nvPr/>
+      </p:nvGrpSpPr>
+      <p:grpSpPr/>
+      <p:sp>
+        <p:nvSpPr>
+          <p:cNvPr id="2" name="Slide Image Placeholder 1"/>
+          <p:cNvSpPr>
+            <a:spLocks noGrp="1"/>
+          </p:cNvSpPr>
+          <p:nvPr>
+            <p:ph type="sldImg" idx="2"/>
+          </p:nvPr>
+        </p:nvSpPr>
+        <p:spPr/>
+      </p:sp>
+      <p:sp>
+        <p:nvSpPr>
+          <p:cNvPr id="3" name="Text Placeholder 2"/>
+          <p:cNvSpPr>
+            <a:spLocks noGrp="1"/>
+          </p:cNvSpPr>
+          <p:nvPr>
+            <p:ph type="body" idx="3"/>
+          </p:nvPr>
+        </p:nvSpPr>
+        <p:spPr/>
+        <p:txBody>
+          <a:bodyPr/>
+          <a:p>
+            <a:endParaRPr lang="en-US"/>
+          </a:p>
+        </p:txBody>
+      </p:sp>
+    </p:spTree>
+  </p:cSld>
+  <p:clrMapOvr>
+    <a:masterClrMapping/>
+  </p:clrMapOvr>
+</p:notes>
+</file>
+
+<file path=ppt/notesSlides/notesSlide2.xml><?xml version="1.0" encoding="utf-8"?>
 <p:notes xmlns:a="http://schemas.openxmlformats.org/drawingml/2006/main" xmlns:r="http://schemas.openxmlformats.org/officeDocument/2006/relationships" xmlns:p="http://schemas.openxmlformats.org/presentationml/2006/main">
   <p:cSld>
     <p:spTree>
@@ -3704,6 +3751,30 @@
           </a:prstGeom>
         </p:spPr>
       </p:pic>
+      <p:pic>
+        <p:nvPicPr>
+          <p:cNvPr id="5" name="Picture 4" descr="maxresdefault"/>
+          <p:cNvPicPr>
+            <a:picLocks noChangeAspect="1"/>
+          </p:cNvPicPr>
+          <p:nvPr/>
+        </p:nvPicPr>
+        <p:blipFill>
+          <a:blip r:embed="rId2"/>
+          <a:stretch>
+            <a:fillRect/>
+          </a:stretch>
+        </p:blipFill>
+        <p:spPr>
+          <a:xfrm>
+            <a:off x="0" y="635"/>
+            <a:ext cx="12192000" cy="6858000"/>
+          </a:xfrm>
+          <a:prstGeom prst="rect">
+            <a:avLst/>
+          </a:prstGeom>
+        </p:spPr>
+      </p:pic>
     </p:spTree>
   </p:cSld>
   <p:clrMapOvr>
@@ -3732,267 +3803,6 @@
             <p:ph type="title"/>
           </p:nvPr>
         </p:nvSpPr>
-        <p:spPr/>
-        <p:txBody>
-          <a:bodyPr/>
-          <a:p>
-            <a:endParaRPr lang="en-US"/>
-          </a:p>
-        </p:txBody>
-      </p:sp>
-      <p:pic>
-        <p:nvPicPr>
-          <p:cNvPr id="4" name="Content Placeholder 3" descr="download (1)"/>
-          <p:cNvPicPr>
-            <a:picLocks noChangeAspect="1"/>
-          </p:cNvPicPr>
-          <p:nvPr>
-            <p:ph idx="1"/>
-          </p:nvPr>
-        </p:nvPicPr>
-        <p:blipFill>
-          <a:blip r:embed="rId1"/>
-          <a:stretch>
-            <a:fillRect/>
-          </a:stretch>
-        </p:blipFill>
-        <p:spPr>
-          <a:xfrm>
-            <a:off x="-635" y="3077210"/>
-            <a:ext cx="12126595" cy="3780790"/>
-          </a:xfrm>
-          <a:prstGeom prst="rect">
-            <a:avLst/>
-          </a:prstGeom>
-        </p:spPr>
-      </p:pic>
-      <p:pic>
-        <p:nvPicPr>
-          <p:cNvPr id="5" name="Picture 4" descr="download"/>
-          <p:cNvPicPr>
-            <a:picLocks noChangeAspect="1"/>
-          </p:cNvPicPr>
-          <p:nvPr/>
-        </p:nvPicPr>
-        <p:blipFill>
-          <a:blip r:embed="rId2"/>
-          <a:stretch>
-            <a:fillRect/>
-          </a:stretch>
-        </p:blipFill>
-        <p:spPr>
-          <a:xfrm>
-            <a:off x="-114935" y="-635"/>
-            <a:ext cx="12401550" cy="3077845"/>
-          </a:xfrm>
-          <a:prstGeom prst="rect">
-            <a:avLst/>
-          </a:prstGeom>
-        </p:spPr>
-      </p:pic>
-    </p:spTree>
-  </p:cSld>
-  <p:clrMapOvr>
-    <a:masterClrMapping/>
-  </p:clrMapOvr>
-</p:sld>
-</file>
-
-<file path=ppt/slides/slide11.xml><?xml version="1.0" encoding="utf-8"?>
-<p:sld xmlns:a="http://schemas.openxmlformats.org/drawingml/2006/main" xmlns:r="http://schemas.openxmlformats.org/officeDocument/2006/relationships" xmlns:p="http://schemas.openxmlformats.org/presentationml/2006/main">
-  <p:cSld>
-    <p:spTree>
-      <p:nvGrpSpPr>
-        <p:cNvPr id="1" name=""/>
-        <p:cNvGrpSpPr/>
-        <p:nvPr/>
-      </p:nvGrpSpPr>
-      <p:grpSpPr/>
-      <p:sp>
-        <p:nvSpPr>
-          <p:cNvPr id="2" name="Title 1"/>
-          <p:cNvSpPr>
-            <a:spLocks noGrp="1"/>
-          </p:cNvSpPr>
-          <p:nvPr>
-            <p:ph type="title"/>
-          </p:nvPr>
-        </p:nvSpPr>
-        <p:spPr>
-          <a:xfrm>
-            <a:off x="609600" y="190500"/>
-            <a:ext cx="3168650" cy="582930"/>
-          </a:xfrm>
-        </p:spPr>
-        <p:txBody>
-          <a:bodyPr/>
-          <a:p>
-            <a:r>
-              <a:rPr lang="en-US" altLang="en-US">
-                <a:sym typeface="+mn-ea"/>
-              </a:rPr>
-              <a:t>Machine </a:t>
-            </a:r>
-            <a:r>
-              <a:rPr lang="en-US" altLang="en-US" sz="2400" b="1">
-                <a:sym typeface="+mn-ea"/>
-              </a:rPr>
-              <a:t>Learning</a:t>
-            </a:r>
-            <a:r>
-              <a:rPr lang="en-US" altLang="en-US" sz="2400">
-                <a:sym typeface="+mn-ea"/>
-              </a:rPr>
-              <a:t> </a:t>
-            </a:r>
-            <a:r>
-              <a:rPr lang="en-US" altLang="en-US">
-                <a:sym typeface="+mn-ea"/>
-              </a:rPr>
-              <a:t>Models</a:t>
-            </a:r>
-            <a:endParaRPr lang="en-US"/>
-          </a:p>
-        </p:txBody>
-      </p:sp>
-      <p:sp>
-        <p:nvSpPr>
-          <p:cNvPr id="3" name="Content Placeholder 2"/>
-          <p:cNvSpPr>
-            <a:spLocks noGrp="1"/>
-          </p:cNvSpPr>
-          <p:nvPr>
-            <p:ph idx="1"/>
-          </p:nvPr>
-        </p:nvSpPr>
-        <p:spPr>
-          <a:xfrm>
-            <a:off x="0" y="1174750"/>
-            <a:ext cx="3667760" cy="5683250"/>
-          </a:xfrm>
-        </p:spPr>
-        <p:txBody>
-          <a:bodyPr/>
-          <a:p>
-            <a:endParaRPr lang="en-US" altLang="en-US" sz="2000"/>
-          </a:p>
-          <a:p>
-            <a:r>
-              <a:rPr lang="zh-CN" altLang="en-US" sz="2000"/>
-              <a:t>🤖</a:t>
-            </a:r>
-            <a:r>
-              <a:rPr lang="en-US" altLang="en-US" sz="2000"/>
-              <a:t> Models Trained:</a:t>
-            </a:r>
-            <a:endParaRPr lang="en-US" altLang="en-US" sz="2000"/>
-          </a:p>
-          <a:p>
-            <a:endParaRPr lang="en-US" altLang="en-US" sz="2000"/>
-          </a:p>
-          <a:p>
-            <a:r>
-              <a:rPr lang="zh-CN" altLang="en-US" sz="2000"/>
-              <a:t>🧮</a:t>
-            </a:r>
-            <a:r>
-              <a:rPr lang="en-US" altLang="en-US" sz="2000"/>
-              <a:t> Naïve Bayes</a:t>
-            </a:r>
-            <a:endParaRPr lang="en-US" altLang="en-US" sz="2000"/>
-          </a:p>
-          <a:p>
-            <a:endParaRPr lang="en-US" altLang="en-US" sz="2000"/>
-          </a:p>
-          <a:p>
-            <a:r>
-              <a:rPr lang="zh-CN" altLang="en-US" sz="2000"/>
-              <a:t>📈</a:t>
-            </a:r>
-            <a:r>
-              <a:rPr lang="en-US" altLang="en-US" sz="2000"/>
-              <a:t> Logistic Regression</a:t>
-            </a:r>
-            <a:endParaRPr lang="en-US" altLang="en-US" sz="2000"/>
-          </a:p>
-          <a:p>
-            <a:endParaRPr lang="en-US" altLang="en-US" sz="2000"/>
-          </a:p>
-          <a:p>
-            <a:r>
-              <a:rPr lang="zh-CN" altLang="en-US" sz="2000"/>
-              <a:t>🌳</a:t>
-            </a:r>
-            <a:r>
-              <a:rPr lang="en-US" altLang="en-US" sz="2000"/>
-              <a:t> Random Forest</a:t>
-            </a:r>
-            <a:endParaRPr lang="en-US" altLang="en-US" sz="2000"/>
-          </a:p>
-          <a:p>
-            <a:endParaRPr lang="en-US" altLang="en-US" sz="2000"/>
-          </a:p>
-          <a:p>
-            <a:r>
-              <a:rPr lang="en-US" altLang="en-US" sz="2000"/>
-              <a:t>Each model was trained on the cleaned datase</a:t>
-            </a:r>
-            <a:endParaRPr lang="en-US" altLang="en-US" sz="2000"/>
-          </a:p>
-        </p:txBody>
-      </p:sp>
-      <p:pic>
-        <p:nvPicPr>
-          <p:cNvPr id="4" name="Picture 3" descr="Common_Machine_Learning_Algorithms"/>
-          <p:cNvPicPr>
-            <a:picLocks noChangeAspect="1"/>
-          </p:cNvPicPr>
-          <p:nvPr/>
-        </p:nvPicPr>
-        <p:blipFill>
-          <a:blip r:embed="rId1"/>
-          <a:stretch>
-            <a:fillRect/>
-          </a:stretch>
-        </p:blipFill>
-        <p:spPr>
-          <a:xfrm>
-            <a:off x="3778250" y="0"/>
-            <a:ext cx="8477250" cy="6947535"/>
-          </a:xfrm>
-          <a:prstGeom prst="rect">
-            <a:avLst/>
-          </a:prstGeom>
-        </p:spPr>
-      </p:pic>
-    </p:spTree>
-  </p:cSld>
-  <p:clrMapOvr>
-    <a:masterClrMapping/>
-  </p:clrMapOvr>
-</p:sld>
-</file>
-
-<file path=ppt/slides/slide12.xml><?xml version="1.0" encoding="utf-8"?>
-<p:sld xmlns:a="http://schemas.openxmlformats.org/drawingml/2006/main" xmlns:r="http://schemas.openxmlformats.org/officeDocument/2006/relationships" xmlns:p="http://schemas.openxmlformats.org/presentationml/2006/main">
-  <p:cSld>
-    <p:spTree>
-      <p:nvGrpSpPr>
-        <p:cNvPr id="1" name=""/>
-        <p:cNvGrpSpPr/>
-        <p:nvPr/>
-      </p:nvGrpSpPr>
-      <p:grpSpPr/>
-      <p:sp>
-        <p:nvSpPr>
-          <p:cNvPr id="2" name="Title 1"/>
-          <p:cNvSpPr>
-            <a:spLocks noGrp="1"/>
-          </p:cNvSpPr>
-          <p:nvPr>
-            <p:ph type="title"/>
-          </p:nvPr>
-        </p:nvSpPr>
         <p:spPr>
           <a:xfrm>
             <a:off x="609600" y="190500"/>
@@ -4057,39 +3867,12 @@
           <a:p>
             <a:r>
               <a:rPr lang="en-US" altLang="en-US" sz="2400"/>
-              <a:t>Naïve Bayes: ~82% ✅</a:t>
-            </a:r>
-            <a:endParaRPr lang="en-US" altLang="en-US" sz="2400"/>
-          </a:p>
-          <a:p>
-            <a:endParaRPr lang="en-US" altLang="en-US" sz="2400"/>
-          </a:p>
-          <a:p>
-            <a:r>
-              <a:rPr lang="en-US" altLang="en-US" sz="2400"/>
               <a:t>Logistic Regression: ~86% </a:t>
             </a:r>
             <a:r>
               <a:rPr lang="zh-CN" altLang="en-US" sz="2400"/>
               <a:t>🚀</a:t>
             </a:r>
-            <a:endParaRPr lang="zh-CN" altLang="en-US" sz="2400"/>
-          </a:p>
-          <a:p>
-            <a:endParaRPr lang="en-US" altLang="en-US" sz="2400"/>
-          </a:p>
-          <a:p>
-            <a:r>
-              <a:rPr lang="en-US" altLang="en-US" sz="2400"/>
-              <a:t>Random Forest: ~84% </a:t>
-            </a:r>
-            <a:r>
-              <a:rPr lang="zh-CN" altLang="en-US" sz="2400"/>
-              <a:t>🌳</a:t>
-            </a:r>
-            <a:endParaRPr lang="zh-CN" altLang="en-US" sz="2400"/>
-          </a:p>
-          <a:p>
             <a:endParaRPr lang="en-US" altLang="en-US" sz="2400"/>
           </a:p>
           <a:p>
@@ -4137,7 +3920,69 @@
 </p:sld>
 </file>
 
-<file path=ppt/slides/slide13.xml><?xml version="1.0" encoding="utf-8"?>
+<file path=ppt/slides/slide11.xml><?xml version="1.0" encoding="utf-8"?>
+<p:sld xmlns:a="http://schemas.openxmlformats.org/drawingml/2006/main" xmlns:r="http://schemas.openxmlformats.org/officeDocument/2006/relationships" xmlns:p="http://schemas.openxmlformats.org/presentationml/2006/main">
+  <p:cSld>
+    <p:spTree>
+      <p:nvGrpSpPr>
+        <p:cNvPr id="1" name=""/>
+        <p:cNvGrpSpPr/>
+        <p:nvPr/>
+      </p:nvGrpSpPr>
+      <p:grpSpPr/>
+      <p:sp>
+        <p:nvSpPr>
+          <p:cNvPr id="2" name="Title 1"/>
+          <p:cNvSpPr>
+            <a:spLocks noGrp="1"/>
+          </p:cNvSpPr>
+          <p:nvPr>
+            <p:ph type="title"/>
+          </p:nvPr>
+        </p:nvSpPr>
+        <p:spPr/>
+        <p:txBody>
+          <a:bodyPr/>
+          <a:p>
+            <a:endParaRPr lang="en-US"/>
+          </a:p>
+        </p:txBody>
+      </p:sp>
+      <p:pic>
+        <p:nvPicPr>
+          <p:cNvPr id="4" name="Content Placeholder 3" descr="download (3)"/>
+          <p:cNvPicPr>
+            <a:picLocks noChangeAspect="1"/>
+          </p:cNvPicPr>
+          <p:nvPr>
+            <p:ph idx="1"/>
+          </p:nvPr>
+        </p:nvPicPr>
+        <p:blipFill>
+          <a:blip r:embed="rId1"/>
+          <a:stretch>
+            <a:fillRect/>
+          </a:stretch>
+        </p:blipFill>
+        <p:spPr>
+          <a:xfrm>
+            <a:off x="0" y="0"/>
+            <a:ext cx="12192000" cy="6858000"/>
+          </a:xfrm>
+          <a:prstGeom prst="rect">
+            <a:avLst/>
+          </a:prstGeom>
+        </p:spPr>
+      </p:pic>
+    </p:spTree>
+  </p:cSld>
+  <p:clrMapOvr>
+    <a:masterClrMapping/>
+  </p:clrMapOvr>
+</p:sld>
+</file>
+
+<file path=ppt/slides/slide12.xml><?xml version="1.0" encoding="utf-8"?>
 <p:sld xmlns:a="http://schemas.openxmlformats.org/drawingml/2006/main" xmlns:r="http://schemas.openxmlformats.org/officeDocument/2006/relationships" xmlns:p="http://schemas.openxmlformats.org/presentationml/2006/main">
   <p:cSld>
     <p:spTree>
@@ -4251,7 +4096,7 @@
 </p:sld>
 </file>
 
-<file path=ppt/slides/slide14.xml><?xml version="1.0" encoding="utf-8"?>
+<file path=ppt/slides/slide13.xml><?xml version="1.0" encoding="utf-8"?>
 <p:sld xmlns:a="http://schemas.openxmlformats.org/drawingml/2006/main" xmlns:r="http://schemas.openxmlformats.org/officeDocument/2006/relationships" xmlns:p="http://schemas.openxmlformats.org/presentationml/2006/main">
   <p:cSld>
     <p:spTree>
@@ -4677,16 +4522,8 @@
           <a:bodyPr/>
           <a:p>
             <a:r>
-              <a:rPr lang="zh-CN" altLang="en-US" sz="2400"/>
-              <a:t>📌</a:t>
-            </a:r>
-            <a:r>
-              <a:rPr lang="en-US" altLang="en-US" sz="2400"/>
-              <a:t> Project Description</a:t>
-            </a:r>
-            <a:r>
               <a:rPr lang="en-US" altLang="en-US"/>
-              <a:t> </a:t>
+              <a:t> ✨ Introduction ✨</a:t>
             </a:r>
             <a:endParaRPr lang="en-US" altLang="en-US"/>
           </a:p>
@@ -4725,7 +4562,7 @@
         <p:spPr>
           <a:xfrm>
             <a:off x="0" y="1289685"/>
-            <a:ext cx="4037330" cy="5567680"/>
+            <a:ext cx="4037330" cy="7221220"/>
           </a:xfrm>
           <a:prstGeom prst="rect">
             <a:avLst/>
@@ -4738,54 +4575,186 @@
           </a:bodyPr>
           <a:p>
             <a:r>
-              <a:rPr lang="en-US" altLang="en-US"/>
-              <a:t>This project is a **Sentiment Analysis** task on the famous **IMDB Movie Reviews Dataset** </a:t>
-            </a:r>
-            <a:r>
-              <a:rPr lang="zh-CN" altLang="en-US"/>
-              <a:t>🎥🍿</a:t>
-            </a:r>
-            <a:r>
-              <a:rPr lang="en-US" altLang="en-US"/>
-              <a:t>.  </a:t>
-            </a:r>
-            <a:endParaRPr lang="en-US" altLang="en-US"/>
-          </a:p>
-          <a:p>
-            <a:r>
-              <a:rPr lang="en-US" altLang="en-US"/>
-              <a:t>The main goal is to build a pipeline that can **analyze movie reviews** and classify them into **positive </a:t>
-            </a:r>
-            <a:r>
-              <a:rPr lang="zh-CN" altLang="en-US"/>
+              <a:rPr lang="en-US" altLang="en-US" sz="1400"/>
+              <a:t>This project is about Sentiment Analysis </a:t>
+            </a:r>
+            <a:r>
+              <a:rPr lang="zh-CN" altLang="en-US" sz="1400"/>
+              <a:t>🧠💬</a:t>
+            </a:r>
+            <a:r>
+              <a:rPr lang="en-US" altLang="en-US" sz="1400"/>
+              <a:t> of movie reviews </a:t>
+            </a:r>
+            <a:r>
+              <a:rPr lang="zh-CN" altLang="en-US" sz="1400"/>
+              <a:t>🎬</a:t>
+            </a:r>
+            <a:r>
+              <a:rPr lang="en-US" altLang="en-US" sz="1400"/>
+              <a:t>⭐ from the IMDB dataset.</a:t>
+            </a:r>
+            <a:endParaRPr lang="en-US" altLang="en-US" sz="1400"/>
+          </a:p>
+          <a:p>
+            <a:r>
+              <a:rPr lang="en-US" altLang="en-US" sz="1400"/>
+              <a:t>The goal is to automatically classify each review as Positive </a:t>
+            </a:r>
+            <a:r>
+              <a:rPr lang="zh-CN" altLang="en-US" sz="1400"/>
               <a:t>😊</a:t>
             </a:r>
             <a:r>
-              <a:rPr lang="en-US" altLang="en-US"/>
-              <a:t>** or **negative </a:t>
-            </a:r>
-            <a:r>
-              <a:rPr lang="zh-CN" altLang="en-US"/>
+              <a:rPr lang="en-US" altLang="en-US" sz="1400"/>
+              <a:t> or Negative </a:t>
+            </a:r>
+            <a:r>
+              <a:rPr lang="zh-CN" altLang="en-US" sz="1400"/>
               <a:t>😞</a:t>
             </a:r>
             <a:r>
-              <a:rPr lang="en-US" altLang="en-US"/>
-              <a:t>** sentiments.  </a:t>
-            </a:r>
-            <a:endParaRPr lang="en-US" altLang="en-US"/>
-          </a:p>
-          <a:p>
-            <a:endParaRPr lang="en-US" altLang="en-US"/>
-          </a:p>
-          <a:p>
-            <a:r>
-              <a:rPr lang="en-US" altLang="en-US"/>
-              <a:t>By using **NLP techniques**, text preprocessing, and machine learning models, we explored how artificial intelligence can understand emotions from text.  </a:t>
-            </a:r>
-            <a:endParaRPr lang="en-US"/>
-          </a:p>
-        </p:txBody>
-      </p:sp>
+              <a:rPr lang="en-US" altLang="en-US" sz="1400"/>
+              <a:t>.</a:t>
+            </a:r>
+            <a:endParaRPr lang="en-US" altLang="en-US" sz="1400"/>
+          </a:p>
+          <a:p>
+            <a:endParaRPr lang="en-US" altLang="en-US" sz="1400"/>
+          </a:p>
+          <a:p>
+            <a:r>
+              <a:rPr lang="zh-CN" altLang="en-US" sz="1400"/>
+              <a:t>🔹</a:t>
+            </a:r>
+            <a:r>
+              <a:rPr lang="en-US" altLang="en-US" sz="1400"/>
+              <a:t> Why Sentiment Analysis?</a:t>
+            </a:r>
+            <a:endParaRPr lang="en-US" altLang="en-US" sz="1400"/>
+          </a:p>
+          <a:p>
+            <a:endParaRPr lang="en-US" altLang="en-US" sz="1400"/>
+          </a:p>
+          <a:p>
+            <a:r>
+              <a:rPr lang="en-US" altLang="en-US" sz="1400"/>
+              <a:t>Helps businesses understand customer opinions </a:t>
+            </a:r>
+            <a:r>
+              <a:rPr lang="zh-CN" altLang="en-US" sz="1400"/>
+              <a:t>💡</a:t>
+            </a:r>
+            <a:endParaRPr lang="zh-CN" altLang="en-US" sz="1400"/>
+          </a:p>
+          <a:p>
+            <a:endParaRPr lang="en-US" altLang="en-US" sz="1400"/>
+          </a:p>
+          <a:p>
+            <a:r>
+              <a:rPr lang="en-US" altLang="en-US" sz="1400"/>
+              <a:t>Improves decision-making in marketing </a:t>
+            </a:r>
+            <a:r>
+              <a:rPr lang="zh-CN" altLang="en-US" sz="1400"/>
+              <a:t>📊</a:t>
+            </a:r>
+            <a:endParaRPr lang="zh-CN" altLang="en-US" sz="1400"/>
+          </a:p>
+          <a:p>
+            <a:endParaRPr lang="en-US" altLang="en-US" sz="1400"/>
+          </a:p>
+          <a:p>
+            <a:r>
+              <a:rPr lang="en-US" altLang="en-US" sz="1400"/>
+              <a:t>Supports the film industry </a:t>
+            </a:r>
+            <a:r>
+              <a:rPr lang="zh-CN" altLang="en-US" sz="1400"/>
+              <a:t>🎥</a:t>
+            </a:r>
+            <a:endParaRPr lang="zh-CN" altLang="en-US" sz="1400"/>
+          </a:p>
+          <a:p>
+            <a:endParaRPr lang="en-US" altLang="en-US" sz="1400"/>
+          </a:p>
+          <a:p>
+            <a:r>
+              <a:rPr lang="en-US" altLang="en-US" sz="1400"/>
+              <a:t>In this project, we:</a:t>
+            </a:r>
+            <a:endParaRPr lang="en-US" altLang="en-US" sz="1400"/>
+          </a:p>
+          <a:p>
+            <a:r>
+              <a:rPr lang="en-US" altLang="en-US" sz="1400"/>
+              <a:t>✅ Collected and preprocessed text data </a:t>
+            </a:r>
+            <a:r>
+              <a:rPr lang="zh-CN" altLang="en-US" sz="1400"/>
+              <a:t>📝</a:t>
+            </a:r>
+            <a:endParaRPr lang="zh-CN" altLang="en-US" sz="1400"/>
+          </a:p>
+          <a:p>
+            <a:r>
+              <a:rPr lang="en-US" altLang="en-US" sz="1400"/>
+              <a:t>✅ Applied Natural Language Processing (NLP) </a:t>
+            </a:r>
+            <a:r>
+              <a:rPr lang="zh-CN" altLang="en-US" sz="1400"/>
+              <a:t>🔤</a:t>
+            </a:r>
+            <a:endParaRPr lang="zh-CN" altLang="en-US" sz="1400"/>
+          </a:p>
+          <a:p>
+            <a:r>
+              <a:rPr lang="en-US" altLang="en-US" sz="1400"/>
+              <a:t>✅ Built and trained a Deep Learning model </a:t>
+            </a:r>
+            <a:r>
+              <a:rPr lang="zh-CN" altLang="en-US" sz="1400"/>
+              <a:t>🤖</a:t>
+            </a:r>
+            <a:endParaRPr lang="zh-CN" altLang="en-US" sz="1400"/>
+          </a:p>
+          <a:p>
+            <a:r>
+              <a:rPr lang="en-US" altLang="en-US" sz="1400"/>
+              <a:t>✅ Achieved high accuracy in classifying reviews </a:t>
+            </a:r>
+            <a:r>
+              <a:rPr lang="zh-CN" altLang="en-US" sz="1400"/>
+              <a:t>🎯</a:t>
+            </a:r>
+            <a:endParaRPr lang="en-US" sz="1400"/>
+          </a:p>
+        </p:txBody>
+      </p:sp>
+      <p:pic>
+        <p:nvPicPr>
+          <p:cNvPr id="3" name="Picture 2" descr="download (2)"/>
+          <p:cNvPicPr>
+            <a:picLocks noChangeAspect="1"/>
+          </p:cNvPicPr>
+          <p:nvPr/>
+        </p:nvPicPr>
+        <p:blipFill>
+          <a:blip r:embed="rId2"/>
+          <a:stretch>
+            <a:fillRect/>
+          </a:stretch>
+        </p:blipFill>
+        <p:spPr>
+          <a:xfrm>
+            <a:off x="4036695" y="-635"/>
+            <a:ext cx="8154670" cy="6762750"/>
+          </a:xfrm>
+          <a:prstGeom prst="rect">
+            <a:avLst/>
+          </a:prstGeom>
+        </p:spPr>
+      </p:pic>
     </p:spTree>
   </p:cSld>
   <p:clrMapOvr>
@@ -4816,53 +4785,189 @@
         </p:nvSpPr>
         <p:spPr>
           <a:xfrm>
-            <a:off x="0" y="190500"/>
-            <a:ext cx="3699510" cy="4545330"/>
+            <a:off x="0" y="-635"/>
+            <a:ext cx="3699510" cy="6859270"/>
           </a:xfrm>
         </p:spPr>
         <p:txBody>
           <a:bodyPr/>
           <a:p>
             <a:r>
-              <a:rPr lang="en-US" altLang="en-US" sz="2000"/>
-              <a:t> Project Overview</a:t>
-            </a:r>
-            <a:br>
-              <a:rPr lang="en-US" altLang="en-US" sz="2000"/>
-            </a:br>
-            <a:br>
-              <a:rPr lang="en-US" altLang="en-US" sz="2000"/>
-            </a:br>
-            <a:r>
-              <a:rPr lang="en-US" altLang="en-US" sz="2000"/>
-              <a:t>What is this project about?</a:t>
-            </a:r>
-            <a:br>
-              <a:rPr lang="en-US" altLang="en-US" sz="2000"/>
-            </a:br>
-            <a:r>
-              <a:rPr lang="zh-CN" altLang="en-US" sz="2000"/>
-              <a:t>📌</a:t>
-            </a:r>
-            <a:r>
-              <a:rPr lang="en-US" altLang="en-US" sz="2000"/>
-              <a:t> This project focuses on analyzing IMDB movie reviews to classify them as positive or negative using Natural Language Processing (NLP).</a:t>
-            </a:r>
-            <a:br>
-              <a:rPr lang="en-US" altLang="en-US" sz="2000"/>
-            </a:br>
-            <a:br>
-              <a:rPr lang="en-US" altLang="en-US" sz="2000"/>
-            </a:br>
-            <a:r>
-              <a:rPr lang="zh-CN" altLang="en-US" sz="2000"/>
+              <a:rPr lang="zh-CN" altLang="en-US" sz="1400"/>
+              <a:t>🚨</a:t>
+            </a:r>
+            <a:r>
+              <a:rPr lang="en-US" altLang="en-US" sz="1400"/>
+              <a:t> Problem &amp; Solution </a:t>
+            </a:r>
+            <a:r>
+              <a:rPr lang="zh-CN" altLang="en-US" sz="1400"/>
+              <a:t>💡</a:t>
+            </a:r>
+            <a:br>
+              <a:rPr lang="zh-CN" altLang="en-US" sz="1400"/>
+            </a:br>
+            <a:r>
+              <a:rPr lang="zh-CN" altLang="en-US" sz="1400"/>
+              <a:t>🛑</a:t>
+            </a:r>
+            <a:r>
+              <a:rPr lang="en-US" altLang="en-US" sz="1400"/>
+              <a:t> Problem:</a:t>
+            </a:r>
+            <a:br>
+              <a:rPr lang="en-US" altLang="en-US" sz="1400"/>
+            </a:br>
+            <a:br>
+              <a:rPr lang="en-US" altLang="en-US" sz="1400"/>
+            </a:br>
+            <a:r>
+              <a:rPr lang="en-US" altLang="en-US" sz="1400"/>
+              <a:t>Thousands of reviews are written daily on IMDB </a:t>
+            </a:r>
+            <a:r>
+              <a:rPr lang="zh-CN" altLang="en-US" sz="1400"/>
+              <a:t>🎬💬</a:t>
+            </a:r>
+            <a:br>
+              <a:rPr lang="zh-CN" altLang="en-US" sz="1400"/>
+            </a:br>
+            <a:br>
+              <a:rPr lang="en-US" altLang="en-US" sz="1400"/>
+            </a:br>
+            <a:r>
+              <a:rPr lang="en-US" altLang="en-US" sz="1400"/>
+              <a:t>Manual reading is time-consuming ⏳</a:t>
+            </a:r>
+            <a:br>
+              <a:rPr lang="en-US" altLang="en-US" sz="1400"/>
+            </a:br>
+            <a:br>
+              <a:rPr lang="en-US" altLang="en-US" sz="1400"/>
+            </a:br>
+            <a:r>
+              <a:rPr lang="en-US" altLang="en-US" sz="1400"/>
+              <a:t>Judgments can be biased </a:t>
+            </a:r>
+            <a:r>
+              <a:rPr lang="zh-CN" altLang="en-US" sz="1400"/>
+              <a:t>👀</a:t>
+            </a:r>
+            <a:br>
+              <a:rPr lang="zh-CN" altLang="en-US" sz="1400"/>
+            </a:br>
+            <a:br>
+              <a:rPr lang="en-US" altLang="en-US" sz="1400"/>
+            </a:br>
+            <a:r>
+              <a:rPr lang="en-US" altLang="en-US" sz="1400"/>
+              <a:t>Hard to know if feedback is positive </a:t>
+            </a:r>
+            <a:r>
+              <a:rPr lang="zh-CN" altLang="en-US" sz="1400"/>
+              <a:t>😊</a:t>
+            </a:r>
+            <a:r>
+              <a:rPr lang="en-US" altLang="en-US" sz="1400"/>
+              <a:t> or negative </a:t>
+            </a:r>
+            <a:r>
+              <a:rPr lang="zh-CN" altLang="en-US" sz="1400"/>
+              <a:t>😞</a:t>
+            </a:r>
+            <a:br>
+              <a:rPr lang="zh-CN" altLang="en-US" sz="1400"/>
+            </a:br>
+            <a:br>
+              <a:rPr lang="en-US" altLang="en-US" sz="1400"/>
+            </a:br>
+            <a:r>
+              <a:rPr lang="en-US" altLang="en-US" sz="1400"/>
+              <a:t>✅ Solution:</a:t>
+            </a:r>
+            <a:br>
+              <a:rPr lang="en-US" altLang="en-US" sz="1400"/>
+            </a:br>
+            <a:br>
+              <a:rPr lang="en-US" altLang="en-US" sz="1400"/>
+            </a:br>
+            <a:r>
+              <a:rPr lang="en-US" altLang="en-US" sz="1400"/>
+              <a:t>AI-powered Sentiment Analysis </a:t>
+            </a:r>
+            <a:r>
+              <a:rPr lang="zh-CN" altLang="en-US" sz="1400"/>
+              <a:t>🤖</a:t>
+            </a:r>
+            <a:br>
+              <a:rPr lang="zh-CN" altLang="en-US" sz="1400"/>
+            </a:br>
+            <a:br>
+              <a:rPr lang="en-US" altLang="en-US" sz="1400"/>
+            </a:br>
+            <a:r>
+              <a:rPr lang="en-US" altLang="en-US" sz="1400"/>
+              <a:t>Automatically reads &amp; classifies reviews </a:t>
+            </a:r>
+            <a:r>
+              <a:rPr lang="zh-CN" altLang="en-US" sz="1400"/>
+              <a:t>📝</a:t>
+            </a:r>
+            <a:br>
+              <a:rPr lang="zh-CN" altLang="en-US" sz="1400"/>
+            </a:br>
+            <a:br>
+              <a:rPr lang="en-US" altLang="en-US" sz="1400"/>
+            </a:br>
+            <a:r>
+              <a:rPr lang="en-US" altLang="en-US" sz="1400"/>
+              <a:t>Detects Positive </a:t>
+            </a:r>
+            <a:r>
+              <a:rPr lang="zh-CN" altLang="en-US" sz="1400"/>
+              <a:t>😊</a:t>
+            </a:r>
+            <a:r>
+              <a:rPr lang="en-US" altLang="en-US" sz="1400"/>
+              <a:t> or Negative </a:t>
+            </a:r>
+            <a:r>
+              <a:rPr lang="zh-CN" altLang="en-US" sz="1400"/>
+              <a:t>😡</a:t>
+            </a:r>
+            <a:r>
+              <a:rPr lang="en-US" altLang="en-US" sz="1400"/>
+              <a:t> opinions</a:t>
+            </a:r>
+            <a:br>
+              <a:rPr lang="en-US" altLang="en-US" sz="1400"/>
+            </a:br>
+            <a:br>
+              <a:rPr lang="en-US" altLang="en-US" sz="1400"/>
+            </a:br>
+            <a:r>
+              <a:rPr lang="en-US" altLang="en-US" sz="1400"/>
+              <a:t>Provides fast, accurate, and objective results </a:t>
+            </a:r>
+            <a:r>
+              <a:rPr lang="zh-CN" altLang="en-US" sz="1400"/>
               <a:t>🎯</a:t>
             </a:r>
-            <a:r>
-              <a:rPr lang="en-US" altLang="en-US" sz="2000"/>
-              <a:t> Goal: To build a machine learning model that understands people’s opinions about movies.</a:t>
-            </a:r>
-            <a:endParaRPr lang="en-US" altLang="en-US" sz="2000"/>
+            <a:br>
+              <a:rPr lang="zh-CN" altLang="en-US" sz="1400"/>
+            </a:br>
+            <a:br>
+              <a:rPr lang="en-US" altLang="en-US" sz="1400"/>
+            </a:br>
+            <a:r>
+              <a:rPr lang="en-US" altLang="en-US" sz="1400"/>
+              <a:t>Helps decision makers understand audience better </a:t>
+            </a:r>
+            <a:r>
+              <a:rPr lang="zh-CN" altLang="en-US" sz="1400"/>
+              <a:t>📊</a:t>
+            </a:r>
+            <a:endParaRPr lang="zh-CN" altLang="en-US" sz="1400"/>
           </a:p>
         </p:txBody>
       </p:sp>
@@ -4930,12 +5035,18 @@
           <a:bodyPr/>
           <a:p>
             <a:r>
-              <a:rPr lang="en-US" altLang="en-US">
+              <a:rPr lang="zh-CN" altLang="en-US" sz="2400">
                 <a:sym typeface="+mn-ea"/>
               </a:rPr>
-              <a:t>Objectives</a:t>
-            </a:r>
-            <a:endParaRPr lang="en-US" altLang="en-US"/>
+              <a:t>🎯</a:t>
+            </a:r>
+            <a:r>
+              <a:rPr lang="en-US" altLang="en-US" sz="2400">
+                <a:sym typeface="+mn-ea"/>
+              </a:rPr>
+              <a:t> Project Objectives</a:t>
+            </a:r>
+            <a:endParaRPr lang="en-US" altLang="en-US" sz="2400"/>
           </a:p>
         </p:txBody>
       </p:sp>
@@ -4973,8 +5084,8 @@
         </p:nvSpPr>
         <p:spPr>
           <a:xfrm>
-            <a:off x="-635" y="951865"/>
-            <a:ext cx="5109845" cy="5204460"/>
+            <a:off x="-635" y="1065530"/>
+            <a:ext cx="5109845" cy="5090795"/>
           </a:xfrm>
           <a:prstGeom prst="rect">
             <a:avLst/>
@@ -4986,149 +5097,155 @@
             <a:noAutofit/>
           </a:bodyPr>
           <a:p>
-            <a:r>
-              <a:rPr lang="en-US" altLang="en-US">
-                <a:sym typeface="+mn-ea"/>
-              </a:rPr>
-              <a:t>  Objectives</a:t>
-            </a:r>
-            <a:br>
-              <a:rPr lang="en-US" altLang="en-US">
-                <a:sym typeface="+mn-ea"/>
-              </a:rPr>
-            </a:br>
-            <a:br>
-              <a:rPr lang="en-US" altLang="en-US">
-                <a:sym typeface="+mn-ea"/>
-              </a:rPr>
-            </a:br>
-            <a:r>
-              <a:rPr lang="zh-CN" altLang="en-US">
-                <a:sym typeface="+mn-ea"/>
-              </a:rPr>
-              <a:t>🎯</a:t>
-            </a:r>
-            <a:r>
-              <a:rPr lang="en-US" altLang="en-US">
-                <a:sym typeface="+mn-ea"/>
-              </a:rPr>
-              <a:t> P</a:t>
-            </a:r>
-            <a:r>
-              <a:rPr lang="en-US" altLang="en-US" sz="2000">
-                <a:sym typeface="+mn-ea"/>
-              </a:rPr>
-              <a:t>roject Objectives:</a:t>
-            </a:r>
-            <a:br>
-              <a:rPr lang="en-US" altLang="en-US" sz="2000">
-                <a:sym typeface="+mn-ea"/>
-              </a:rPr>
-            </a:br>
-            <a:br>
-              <a:rPr lang="en-US" altLang="en-US" sz="2000">
-                <a:sym typeface="+mn-ea"/>
-              </a:rPr>
-            </a:br>
-            <a:r>
-              <a:rPr lang="zh-CN" altLang="en-US" sz="2000">
-                <a:sym typeface="+mn-ea"/>
-              </a:rPr>
-              <a:t>📥</a:t>
-            </a:r>
-            <a:r>
-              <a:rPr lang="en-US" altLang="en-US" sz="2000">
-                <a:sym typeface="+mn-ea"/>
-              </a:rPr>
-              <a:t> Load and explore IMDB dataset.</a:t>
-            </a:r>
-            <a:br>
-              <a:rPr lang="en-US" altLang="en-US" sz="2000">
-                <a:sym typeface="+mn-ea"/>
-              </a:rPr>
-            </a:br>
-            <a:br>
-              <a:rPr lang="en-US" altLang="en-US" sz="2000">
-                <a:sym typeface="+mn-ea"/>
-              </a:rPr>
-            </a:br>
-            <a:r>
-              <a:rPr lang="zh-CN" altLang="en-US" sz="2000">
-                <a:sym typeface="+mn-ea"/>
-              </a:rPr>
-              <a:t>🧹</a:t>
-            </a:r>
-            <a:r>
-              <a:rPr lang="en-US" altLang="en-US" sz="2000">
-                <a:sym typeface="+mn-ea"/>
-              </a:rPr>
-              <a:t> Apply text preprocessing (cleaning, tokenization, stopwords removal).</a:t>
-            </a:r>
-            <a:br>
-              <a:rPr lang="en-US" altLang="en-US" sz="2000">
-                <a:sym typeface="+mn-ea"/>
-              </a:rPr>
-            </a:br>
-            <a:br>
-              <a:rPr lang="en-US" altLang="en-US" sz="2000">
-                <a:sym typeface="+mn-ea"/>
-              </a:rPr>
-            </a:br>
-            <a:r>
-              <a:rPr lang="zh-CN" altLang="en-US" sz="2000">
-                <a:sym typeface="+mn-ea"/>
-              </a:rPr>
+            <a:endParaRPr lang="en-US" altLang="en-US"/>
+          </a:p>
+          <a:p>
+            <a:r>
+              <a:rPr lang="en-US" altLang="en-US"/>
+              <a:t>1</a:t>
+            </a:r>
+            <a:r>
+              <a:rPr lang="" altLang="en-US"/>
+              <a:t>️</a:t>
+            </a:r>
+            <a:r>
+              <a:rPr lang="en-US" altLang="en-US"/>
+              <a:t>⃣ Develop an intelligent model </a:t>
+            </a:r>
+            <a:r>
+              <a:rPr lang="zh-CN" altLang="en-US"/>
+              <a:t>🤖</a:t>
+            </a:r>
+            <a:r>
+              <a:rPr lang="en-US" altLang="en-US"/>
+              <a:t> to analyze movie reviews from IMDB.</a:t>
+            </a:r>
+            <a:endParaRPr lang="en-US" altLang="en-US"/>
+          </a:p>
+          <a:p>
+            <a:r>
+              <a:rPr lang="en-US" altLang="en-US"/>
+              <a:t>2</a:t>
+            </a:r>
+            <a:r>
+              <a:rPr lang="" altLang="en-US"/>
+              <a:t>️</a:t>
+            </a:r>
+            <a:r>
+              <a:rPr lang="en-US" altLang="en-US"/>
+              <a:t>⃣ Classify reviews </a:t>
+            </a:r>
+            <a:r>
+              <a:rPr lang="zh-CN" altLang="en-US"/>
+              <a:t>📝</a:t>
+            </a:r>
+            <a:r>
+              <a:rPr lang="en-US" altLang="en-US"/>
+              <a:t> into two categories: Positive </a:t>
+            </a:r>
+            <a:r>
+              <a:rPr lang="zh-CN" altLang="en-US"/>
+              <a:t>😊</a:t>
+            </a:r>
+            <a:r>
+              <a:rPr lang="en-US" altLang="en-US"/>
+              <a:t> or Negative </a:t>
+            </a:r>
+            <a:r>
+              <a:rPr lang="zh-CN" altLang="en-US"/>
+              <a:t>😡</a:t>
+            </a:r>
+            <a:r>
+              <a:rPr lang="en-US" altLang="en-US"/>
+              <a:t>.</a:t>
+            </a:r>
+            <a:endParaRPr lang="en-US" altLang="en-US"/>
+          </a:p>
+          <a:p>
+            <a:r>
+              <a:rPr lang="en-US" altLang="en-US"/>
+              <a:t>3</a:t>
+            </a:r>
+            <a:r>
+              <a:rPr lang="" altLang="en-US"/>
+              <a:t>️</a:t>
+            </a:r>
+            <a:r>
+              <a:rPr lang="en-US" altLang="en-US"/>
+              <a:t>⃣ Save time ⏳ compared to manual review analysis.</a:t>
+            </a:r>
+            <a:endParaRPr lang="en-US" altLang="en-US"/>
+          </a:p>
+          <a:p>
+            <a:r>
+              <a:rPr lang="en-US" altLang="en-US"/>
+              <a:t>4</a:t>
+            </a:r>
+            <a:r>
+              <a:rPr lang="" altLang="en-US"/>
+              <a:t>️</a:t>
+            </a:r>
+            <a:r>
+              <a:rPr lang="en-US" altLang="en-US"/>
+              <a:t>⃣ Ensure fairness </a:t>
+            </a:r>
+            <a:r>
+              <a:rPr lang="zh-CN" altLang="en-US"/>
+              <a:t>⚖</a:t>
+            </a:r>
+            <a:r>
+              <a:rPr lang="" altLang="en-US"/>
+              <a:t>️</a:t>
+            </a:r>
+            <a:r>
+              <a:rPr lang="en-US" altLang="en-US"/>
+              <a:t> by reducing human bias in evaluation.</a:t>
+            </a:r>
+            <a:endParaRPr lang="en-US" altLang="en-US"/>
+          </a:p>
+          <a:p>
+            <a:r>
+              <a:rPr lang="en-US" altLang="en-US"/>
+              <a:t>5</a:t>
+            </a:r>
+            <a:r>
+              <a:rPr lang="" altLang="en-US"/>
+              <a:t>️</a:t>
+            </a:r>
+            <a:r>
+              <a:rPr lang="en-US" altLang="en-US"/>
+              <a:t>⃣ Support decision-makers </a:t>
+            </a:r>
+            <a:r>
+              <a:rPr lang="zh-CN" altLang="en-US"/>
               <a:t>📊</a:t>
             </a:r>
             <a:r>
-              <a:rPr lang="en-US" altLang="en-US" sz="2000">
-                <a:sym typeface="+mn-ea"/>
-              </a:rPr>
-              <a:t> Perform data visualization to understand the dataset.</a:t>
-            </a:r>
-            <a:br>
-              <a:rPr lang="en-US" altLang="en-US" sz="2000">
-                <a:sym typeface="+mn-ea"/>
-              </a:rPr>
-            </a:br>
-            <a:br>
-              <a:rPr lang="en-US" altLang="en-US" sz="2000">
-                <a:sym typeface="+mn-ea"/>
-              </a:rPr>
-            </a:br>
-            <a:r>
-              <a:rPr lang="zh-CN" altLang="en-US" sz="2000">
-                <a:sym typeface="+mn-ea"/>
-              </a:rPr>
-              <a:t>🤖</a:t>
-            </a:r>
-            <a:r>
-              <a:rPr lang="en-US" altLang="en-US" sz="2000">
-                <a:sym typeface="+mn-ea"/>
-              </a:rPr>
-              <a:t> Train multiple ML models (Naïve Bayes, Logistic Regression, Random Forest).</a:t>
-            </a:r>
-            <a:br>
-              <a:rPr lang="en-US" altLang="en-US" sz="2000">
-                <a:sym typeface="+mn-ea"/>
-              </a:rPr>
-            </a:br>
-            <a:br>
-              <a:rPr lang="en-US" altLang="en-US" sz="2000">
-                <a:sym typeface="+mn-ea"/>
-              </a:rPr>
-            </a:br>
-            <a:r>
-              <a:rPr lang="en-US" altLang="en-US" sz="2000">
-                <a:sym typeface="+mn-ea"/>
-              </a:rPr>
-              <a:t>✅ Evaluate models a</a:t>
-            </a:r>
-            <a:r>
-              <a:rPr lang="en-US" altLang="en-US">
-                <a:sym typeface="+mn-ea"/>
-              </a:rPr>
-              <a:t>nd com</a:t>
+              <a:rPr lang="en-US" altLang="en-US"/>
+              <a:t> with accurate insights about audience opinions.</a:t>
+            </a:r>
+            <a:endParaRPr lang="en-US" altLang="en-US"/>
+          </a:p>
+          <a:p>
+            <a:r>
+              <a:rPr lang="en-US" altLang="en-US"/>
+              <a:t>6</a:t>
+            </a:r>
+            <a:r>
+              <a:rPr lang="" altLang="en-US"/>
+              <a:t>️</a:t>
+            </a:r>
+            <a:r>
+              <a:rPr lang="en-US" altLang="en-US"/>
+              <a:t>⃣ Enhance user experience </a:t>
+            </a:r>
+            <a:r>
+              <a:rPr lang="zh-CN" altLang="en-US"/>
+              <a:t>🌐</a:t>
+            </a:r>
+            <a:r>
+              <a:rPr lang="en-US" altLang="en-US"/>
+              <a:t> by providing fast and clear sentiment results.</a:t>
             </a:r>
             <a:endParaRPr lang="en-US" altLang="en-US"/>
           </a:p>
@@ -5164,82 +5281,225 @@
         </p:nvSpPr>
         <p:spPr>
           <a:xfrm>
-            <a:off x="0" y="190500"/>
-            <a:ext cx="3507740" cy="4285615"/>
+            <a:off x="0" y="635"/>
+            <a:ext cx="3507740" cy="6767830"/>
           </a:xfrm>
         </p:spPr>
         <p:txBody>
           <a:bodyPr/>
           <a:p>
             <a:r>
-              <a:rPr lang="zh-CN" altLang="en-US"/>
+              <a:rPr lang="zh-CN" altLang="en-US" sz="1600"/>
               <a:t>🟦</a:t>
             </a:r>
             <a:r>
-              <a:rPr lang="en-US" altLang="en-US" sz="2000"/>
+              <a:rPr lang="en-US" altLang="en-US" sz="2400"/>
               <a:t> </a:t>
             </a:r>
             <a:r>
-              <a:rPr lang="en-US" altLang="en-US" sz="2000" b="1"/>
+              <a:rPr lang="en-US" altLang="en-US" sz="2400" b="1"/>
               <a:t>Dataset Description</a:t>
             </a:r>
             <a:br>
-              <a:rPr lang="en-US" altLang="en-US" sz="2000"/>
-            </a:br>
-            <a:br>
-              <a:rPr lang="en-US" altLang="en-US" sz="2000"/>
-            </a:br>
-            <a:r>
-              <a:rPr lang="zh-CN" altLang="en-US" sz="2000"/>
-              <a:t>📂</a:t>
-            </a:r>
-            <a:r>
-              <a:rPr lang="en-US" altLang="en-US" sz="2000"/>
-              <a:t> Dataset: IMDB Movie Reviews</a:t>
-            </a:r>
-            <a:br>
-              <a:rPr lang="en-US" altLang="en-US" sz="2000"/>
-            </a:br>
-            <a:br>
-              <a:rPr lang="en-US" altLang="en-US" sz="2000"/>
-            </a:br>
-            <a:r>
-              <a:rPr lang="zh-CN" altLang="en-US" sz="2000"/>
-              <a:t>💾</a:t>
-            </a:r>
-            <a:r>
-              <a:rPr lang="en-US" altLang="en-US" sz="2000"/>
-              <a:t> Size: 50,000 reviews</a:t>
-            </a:r>
-            <a:br>
-              <a:rPr lang="en-US" altLang="en-US" sz="2000"/>
-            </a:br>
-            <a:br>
-              <a:rPr lang="en-US" altLang="en-US" sz="2000"/>
-            </a:br>
-            <a:r>
-              <a:rPr lang="zh-CN" altLang="en-US" sz="2000"/>
+              <a:rPr lang="en-US" altLang="en-US" sz="1600"/>
+            </a:br>
+            <a:br>
+              <a:rPr lang="en-US" altLang="en-US" sz="1600"/>
+            </a:br>
+            <a:r>
+              <a:rPr lang="en-US" altLang="en-US" sz="1600"/>
+              <a:t>1</a:t>
+            </a:r>
+            <a:r>
+              <a:rPr lang="" altLang="en-US" sz="1600"/>
+              <a:t>️</a:t>
+            </a:r>
+            <a:r>
+              <a:rPr lang="en-US" altLang="en-US" sz="1600"/>
+              <a:t>⃣ Source </a:t>
+            </a:r>
+            <a:r>
+              <a:rPr lang="zh-CN" altLang="en-US" sz="1600"/>
+              <a:t>🌐</a:t>
+            </a:r>
+            <a:r>
+              <a:rPr lang="en-US" altLang="en-US" sz="1600"/>
+              <a:t>: Kaggle – IMDB Movie Reviews Sentiment Analysis Dataset.</a:t>
+            </a:r>
+            <a:br>
+              <a:rPr lang="en-US" altLang="en-US" sz="1600"/>
+            </a:br>
+            <a:r>
+              <a:rPr lang="en-US" altLang="en-US" sz="1600"/>
+              <a:t>2</a:t>
+            </a:r>
+            <a:r>
+              <a:rPr lang="" altLang="en-US" sz="1600"/>
+              <a:t>️</a:t>
+            </a:r>
+            <a:r>
+              <a:rPr lang="en-US" altLang="en-US" sz="1600"/>
+              <a:t>⃣ Content </a:t>
+            </a:r>
+            <a:r>
+              <a:rPr lang="zh-CN" altLang="en-US" sz="1600"/>
+              <a:t>📝</a:t>
+            </a:r>
+            <a:r>
+              <a:rPr lang="en-US" altLang="en-US" sz="1600"/>
+              <a:t>: Collection of movie reviews written by real users.</a:t>
+            </a:r>
+            <a:br>
+              <a:rPr lang="en-US" altLang="en-US" sz="1600"/>
+            </a:br>
+            <a:r>
+              <a:rPr lang="en-US" altLang="en-US" sz="1600"/>
+              <a:t>3</a:t>
+            </a:r>
+            <a:r>
+              <a:rPr lang="" altLang="en-US" sz="1600"/>
+              <a:t>️</a:t>
+            </a:r>
+            <a:r>
+              <a:rPr lang="en-US" altLang="en-US" sz="1600"/>
+              <a:t>⃣ Labels </a:t>
+            </a:r>
+            <a:r>
+              <a:rPr lang="zh-CN" altLang="en-US" sz="1600"/>
               <a:t>🔖</a:t>
             </a:r>
             <a:r>
-              <a:rPr lang="en-US" altLang="en-US" sz="2000"/>
-              <a:t> Labels: Positive / Negative</a:t>
-            </a:r>
-            <a:br>
-              <a:rPr lang="en-US" altLang="en-US" sz="2000"/>
-            </a:br>
-            <a:br>
-              <a:rPr lang="en-US" altLang="en-US" sz="2000"/>
-            </a:br>
-            <a:r>
-              <a:rPr lang="zh-CN" altLang="en-US" sz="2000"/>
-              <a:t>📍</a:t>
-            </a:r>
-            <a:r>
-              <a:rPr lang="en-US" altLang="en-US" sz="2000"/>
-              <a:t> Source: Kaggle</a:t>
-            </a:r>
-            <a:endParaRPr lang="ar-EG" altLang="en-US" sz="2000"/>
+              <a:rPr lang="en-US" altLang="en-US" sz="1600"/>
+              <a:t>: Each review is labeled as either:</a:t>
+            </a:r>
+            <a:br>
+              <a:rPr lang="en-US" altLang="en-US" sz="1600"/>
+            </a:br>
+            <a:br>
+              <a:rPr lang="en-US" altLang="en-US" sz="1600"/>
+            </a:br>
+            <a:r>
+              <a:rPr lang="en-US" altLang="en-US" sz="1600"/>
+              <a:t>Positive </a:t>
+            </a:r>
+            <a:r>
+              <a:rPr lang="zh-CN" altLang="en-US" sz="1600"/>
+              <a:t>😊</a:t>
+            </a:r>
+            <a:br>
+              <a:rPr lang="zh-CN" altLang="en-US" sz="1600"/>
+            </a:br>
+            <a:br>
+              <a:rPr lang="en-US" altLang="en-US" sz="1600"/>
+            </a:br>
+            <a:r>
+              <a:rPr lang="en-US" altLang="en-US" sz="1600"/>
+              <a:t>Negative </a:t>
+            </a:r>
+            <a:r>
+              <a:rPr lang="zh-CN" altLang="en-US" sz="1600"/>
+              <a:t>😡</a:t>
+            </a:r>
+            <a:br>
+              <a:rPr lang="zh-CN" altLang="en-US" sz="1600"/>
+            </a:br>
+            <a:r>
+              <a:rPr lang="en-US" altLang="en-US" sz="1600"/>
+              <a:t>4</a:t>
+            </a:r>
+            <a:r>
+              <a:rPr lang="" altLang="en-US" sz="1600"/>
+              <a:t>️</a:t>
+            </a:r>
+            <a:r>
+              <a:rPr lang="en-US" altLang="en-US" sz="1600"/>
+              <a:t>⃣ Size </a:t>
+            </a:r>
+            <a:r>
+              <a:rPr lang="zh-CN" altLang="en-US" sz="1600"/>
+              <a:t>📊</a:t>
+            </a:r>
+            <a:r>
+              <a:rPr lang="en-US" altLang="en-US" sz="1600"/>
+              <a:t>:</a:t>
+            </a:r>
+            <a:br>
+              <a:rPr lang="en-US" altLang="en-US" sz="1600"/>
+            </a:br>
+            <a:br>
+              <a:rPr lang="en-US" altLang="en-US" sz="1600"/>
+            </a:br>
+            <a:r>
+              <a:rPr lang="en-US" altLang="en-US" sz="1600"/>
+              <a:t>50,000 reviews in total.</a:t>
+            </a:r>
+            <a:br>
+              <a:rPr lang="en-US" altLang="en-US" sz="1600"/>
+            </a:br>
+            <a:br>
+              <a:rPr lang="en-US" altLang="en-US" sz="1600"/>
+            </a:br>
+            <a:r>
+              <a:rPr lang="en-US" altLang="en-US" sz="1600"/>
+              <a:t>25,000 reviews for training.</a:t>
+            </a:r>
+            <a:br>
+              <a:rPr lang="en-US" altLang="en-US" sz="1600"/>
+            </a:br>
+            <a:br>
+              <a:rPr lang="en-US" altLang="en-US" sz="1600"/>
+            </a:br>
+            <a:r>
+              <a:rPr lang="en-US" altLang="en-US" sz="1600"/>
+              <a:t>25,000 reviews for testing.</a:t>
+            </a:r>
+            <a:br>
+              <a:rPr lang="en-US" altLang="en-US" sz="1600"/>
+            </a:br>
+            <a:r>
+              <a:rPr lang="en-US" altLang="en-US" sz="1600"/>
+              <a:t>5</a:t>
+            </a:r>
+            <a:r>
+              <a:rPr lang="" altLang="en-US" sz="1600"/>
+              <a:t>️</a:t>
+            </a:r>
+            <a:r>
+              <a:rPr lang="en-US" altLang="en-US" sz="1600"/>
+              <a:t>⃣ Format </a:t>
+            </a:r>
+            <a:r>
+              <a:rPr lang="zh-CN" altLang="en-US" sz="1600"/>
+              <a:t>📄</a:t>
+            </a:r>
+            <a:r>
+              <a:rPr lang="en-US" altLang="en-US" sz="1600"/>
+              <a:t>: Text-based dataset (plain English sentences).</a:t>
+            </a:r>
+            <a:br>
+              <a:rPr lang="en-US" altLang="en-US" sz="1600"/>
+            </a:br>
+            <a:r>
+              <a:rPr lang="en-US" altLang="en-US" sz="1600"/>
+              <a:t>6</a:t>
+            </a:r>
+            <a:r>
+              <a:rPr lang="" altLang="en-US" sz="1600"/>
+              <a:t>️</a:t>
+            </a:r>
+            <a:r>
+              <a:rPr lang="en-US" altLang="en-US" sz="1600"/>
+              <a:t>⃣ Purpose </a:t>
+            </a:r>
+            <a:r>
+              <a:rPr lang="zh-CN" altLang="en-US" sz="1600"/>
+              <a:t>🎯</a:t>
+            </a:r>
+            <a:r>
+              <a:rPr lang="en-US" altLang="en-US" sz="1600"/>
+              <a:t>: Used for sentiment analysis to classify emotions and opinions in text.</a:t>
+            </a:r>
+            <a:endParaRPr lang="en-US" altLang="en-US" sz="1600"/>
           </a:p>
         </p:txBody>
       </p:sp>
@@ -5300,124 +5560,184 @@
         <p:spPr>
           <a:xfrm>
             <a:off x="609600" y="190500"/>
-            <a:ext cx="3365500" cy="5961380"/>
+            <a:ext cx="3365500" cy="6667500"/>
           </a:xfrm>
         </p:spPr>
         <p:txBody>
           <a:bodyPr/>
           <a:p>
             <a:r>
-              <a:rPr lang="zh-CN" altLang="en-US" sz="2000" b="1"/>
-              <a:t>🟦</a:t>
-            </a:r>
-            <a:r>
-              <a:rPr lang="en-US" altLang="en-US" sz="2000" b="1"/>
-              <a:t> Preprocessing (Generic)</a:t>
-            </a:r>
-            <a:br>
-              <a:rPr lang="en-US" altLang="en-US" sz="2000" b="1"/>
-            </a:br>
-            <a:br>
-              <a:rPr lang="en-US" altLang="en-US" sz="2000" b="1"/>
-            </a:br>
-            <a:r>
-              <a:rPr lang="zh-CN" altLang="en-US" sz="2000" b="1"/>
-              <a:t>🧹</a:t>
-            </a:r>
-            <a:r>
-              <a:rPr lang="en-US" altLang="en-US" sz="2000" b="1"/>
-              <a:t> Generic Preprocessing Steps:</a:t>
-            </a:r>
-            <a:br>
-              <a:rPr lang="en-US" altLang="en-US" sz="2000" b="1"/>
-            </a:br>
-            <a:br>
-              <a:rPr lang="en-US" altLang="en-US" sz="2000" b="1"/>
-            </a:br>
-            <a:r>
-              <a:rPr lang="zh-CN" altLang="en-US" sz="2000" b="1"/>
-              <a:t>🔡</a:t>
-            </a:r>
-            <a:r>
-              <a:rPr lang="en-US" altLang="en-US" sz="2000" b="1"/>
-              <a:t> Lowercasing</a:t>
-            </a:r>
-            <a:br>
-              <a:rPr lang="en-US" altLang="en-US" sz="2000" b="1"/>
-            </a:br>
-            <a:br>
-              <a:rPr lang="en-US" altLang="en-US" sz="2000" b="1"/>
-            </a:br>
-            <a:r>
-              <a:rPr lang="en-US" altLang="en-US" sz="2000" b="1"/>
-              <a:t>✂</a:t>
-            </a:r>
-            <a:r>
-              <a:rPr lang="" altLang="en-US" sz="2000" b="1"/>
+              <a:rPr lang="en-US" altLang="en-US" sz="2800" b="1">
+                <a:sym typeface="+mn-ea"/>
+              </a:rPr>
+              <a:t>Methodology / Approach </a:t>
+            </a:r>
+            <a:r>
+              <a:rPr lang="zh-CN" altLang="en-US" sz="2800" b="1">
+                <a:sym typeface="+mn-ea"/>
+              </a:rPr>
+              <a:t>🛠</a:t>
+            </a:r>
+            <a:r>
+              <a:rPr lang="en-US" altLang="en-US" sz="2800" b="1">
+                <a:sym typeface="+mn-ea"/>
+              </a:rPr>
               <a:t>️</a:t>
             </a:r>
-            <a:r>
-              <a:rPr lang="en-US" altLang="en-US" sz="2000" b="1"/>
-              <a:t> Removing punctuation</a:t>
-            </a:r>
-            <a:br>
-              <a:rPr lang="en-US" altLang="en-US" sz="2000" b="1"/>
-            </a:br>
-            <a:br>
-              <a:rPr lang="en-US" altLang="en-US" sz="2000" b="1"/>
-            </a:br>
-            <a:r>
-              <a:rPr lang="zh-CN" altLang="en-US" sz="2000" b="1"/>
-              <a:t>🛑</a:t>
-            </a:r>
-            <a:r>
-              <a:rPr lang="en-US" altLang="en-US" sz="2000" b="1"/>
-              <a:t> Removing stopwords</a:t>
-            </a:r>
-            <a:br>
-              <a:rPr lang="en-US" altLang="en-US" sz="2000" b="1"/>
-            </a:br>
-            <a:br>
-              <a:rPr lang="en-US" altLang="en-US" sz="2000" b="1"/>
-            </a:br>
-            <a:r>
-              <a:rPr lang="zh-CN" altLang="en-US" sz="2000" b="1"/>
-              <a:t>🎭</a:t>
-            </a:r>
-            <a:r>
-              <a:rPr lang="en-US" altLang="en-US" sz="2000" b="1"/>
-              <a:t> Lemmatization/Stemming</a:t>
-            </a:r>
-            <a:br>
-              <a:rPr lang="en-US" altLang="en-US" sz="2000" b="1"/>
-            </a:br>
-            <a:br>
-              <a:rPr lang="en-US" altLang="en-US" sz="2000" b="1"/>
-            </a:br>
-            <a:r>
-              <a:rPr lang="zh-CN" altLang="en-US" sz="2000" b="1"/>
-              <a:t>📌</a:t>
-            </a:r>
-            <a:r>
-              <a:rPr lang="en-US" altLang="en-US" sz="2000" b="1"/>
-              <a:t> Example:</a:t>
-            </a:r>
-            <a:br>
-              <a:rPr lang="en-US" altLang="en-US" sz="2000" b="1"/>
-            </a:br>
-            <a:r>
-              <a:rPr lang="en-US" altLang="en-US" sz="2000" b="1"/>
-              <a:t>"The movie was AMAZING!!! </a:t>
-            </a:r>
-            <a:r>
-              <a:rPr lang="zh-CN" altLang="en-US" sz="2000" b="1"/>
-              <a:t>🤩</a:t>
-            </a:r>
-            <a:r>
-              <a:rPr lang="en-US" altLang="en-US" sz="2000" b="1"/>
-              <a:t>" → "movie amazing"</a:t>
-            </a:r>
-            <a:endParaRPr lang="en-US" altLang="en-US" sz="2000" b="1"/>
+            <a:br>
+              <a:rPr lang="en-US" altLang="en-US" sz="1000" b="1">
+                <a:sym typeface="+mn-ea"/>
+              </a:rPr>
+            </a:br>
+            <a:br>
+              <a:rPr lang="en-US" altLang="en-US" sz="2000" b="1">
+                <a:sym typeface="+mn-ea"/>
+              </a:rPr>
+            </a:br>
+            <a:r>
+              <a:rPr lang="en-US" altLang="en-US" sz="1000" b="1"/>
+              <a:t>Data Preprocessing </a:t>
+            </a:r>
+            <a:r>
+              <a:rPr lang="zh-CN" altLang="en-US" sz="1000" b="1"/>
+              <a:t>🔄</a:t>
+            </a:r>
+            <a:br>
+              <a:rPr lang="zh-CN" altLang="en-US" sz="1000" b="1"/>
+            </a:br>
+            <a:br>
+              <a:rPr lang="en-US" altLang="en-US" sz="1000" b="1"/>
+            </a:br>
+            <a:r>
+              <a:rPr lang="en-US" altLang="en-US" sz="1000" b="1"/>
+              <a:t>Cleaning dataset (removing nulls, duplicates).</a:t>
+            </a:r>
+            <a:br>
+              <a:rPr lang="en-US" altLang="en-US" sz="1000" b="1"/>
+            </a:br>
+            <a:br>
+              <a:rPr lang="en-US" altLang="en-US" sz="1000" b="1"/>
+            </a:br>
+            <a:r>
+              <a:rPr lang="en-US" altLang="en-US" sz="1000" b="1"/>
+              <a:t>Text normalization (lowercasing, removing stopwords, punctuation).</a:t>
+            </a:r>
+            <a:br>
+              <a:rPr lang="en-US" altLang="en-US" sz="1000" b="1"/>
+            </a:br>
+            <a:br>
+              <a:rPr lang="en-US" altLang="en-US" sz="1000" b="1"/>
+            </a:br>
+            <a:r>
+              <a:rPr lang="en-US" altLang="en-US" sz="1000" b="1"/>
+              <a:t>Text Representation ✍</a:t>
+            </a:r>
+            <a:r>
+              <a:rPr lang="" altLang="en-US" sz="1000" b="1"/>
+              <a:t>️</a:t>
+            </a:r>
+            <a:br>
+              <a:rPr lang="" altLang="en-US" sz="1000" b="1"/>
+            </a:br>
+            <a:br>
+              <a:rPr lang="en-US" altLang="en-US" sz="1000" b="1"/>
+            </a:br>
+            <a:r>
+              <a:rPr lang="en-US" altLang="en-US" sz="1000" b="1"/>
+              <a:t>TF-IDF (Term Frequency – Inverse Document Frequency).</a:t>
+            </a:r>
+            <a:br>
+              <a:rPr lang="en-US" altLang="en-US" sz="1000" b="1"/>
+            </a:br>
+            <a:br>
+              <a:rPr lang="en-US" altLang="en-US" sz="1000" b="1"/>
+            </a:br>
+            <a:r>
+              <a:rPr lang="en-US" altLang="en-US" sz="1000" b="1"/>
+              <a:t>Word Embeddings (Word2Vec / GloVe).</a:t>
+            </a:r>
+            <a:br>
+              <a:rPr lang="en-US" altLang="en-US" sz="1000" b="1"/>
+            </a:br>
+            <a:br>
+              <a:rPr lang="en-US" altLang="en-US" sz="1000" b="1"/>
+            </a:br>
+            <a:r>
+              <a:rPr lang="en-US" altLang="en-US" sz="1000" b="1"/>
+              <a:t>Algorithms Applied </a:t>
+            </a:r>
+            <a:r>
+              <a:rPr lang="zh-CN" altLang="en-US" sz="1000" b="1"/>
+              <a:t>🤖</a:t>
+            </a:r>
+            <a:br>
+              <a:rPr lang="zh-CN" altLang="en-US" sz="1000" b="1"/>
+            </a:br>
+            <a:br>
+              <a:rPr lang="en-US" altLang="en-US" sz="1000" b="1"/>
+            </a:br>
+            <a:r>
+              <a:rPr lang="en-US" altLang="en-US" sz="1000" b="1"/>
+              <a:t>Logistic Regression.</a:t>
+            </a:r>
+            <a:br>
+              <a:rPr lang="en-US" altLang="en-US" sz="1000" b="1"/>
+            </a:br>
+            <a:br>
+              <a:rPr lang="en-US" altLang="en-US" sz="1000" b="1"/>
+            </a:br>
+            <a:r>
+              <a:rPr lang="en-US" altLang="en-US" sz="1000" b="1"/>
+              <a:t>Deep Learning model </a:t>
+            </a:r>
+            <a:br>
+              <a:rPr lang="en-US" altLang="en-US" sz="1000" b="1"/>
+            </a:br>
+            <a:br>
+              <a:rPr lang="en-US" altLang="en-US" sz="1000" b="1"/>
+            </a:br>
+            <a:r>
+              <a:rPr lang="en-US" altLang="en-US" sz="1000" b="1"/>
+              <a:t>Training &amp; Testing </a:t>
+            </a:r>
+            <a:r>
+              <a:rPr lang="zh-CN" altLang="en-US" sz="1000" b="1"/>
+              <a:t>⚡</a:t>
+            </a:r>
+            <a:br>
+              <a:rPr lang="zh-CN" altLang="en-US" sz="1000" b="1"/>
+            </a:br>
+            <a:br>
+              <a:rPr lang="en-US" altLang="en-US" sz="1000" b="1"/>
+            </a:br>
+            <a:r>
+              <a:rPr lang="en-US" altLang="en-US" sz="1000" b="1"/>
+              <a:t>Splitting dataset (e.g., 80% training – 20% testing).</a:t>
+            </a:r>
+            <a:br>
+              <a:rPr lang="en-US" altLang="en-US" sz="1000" b="1"/>
+            </a:br>
+            <a:br>
+              <a:rPr lang="en-US" altLang="en-US" sz="1000" b="1"/>
+            </a:br>
+            <a:r>
+              <a:rPr lang="en-US" altLang="en-US" sz="1000" b="1"/>
+              <a:t>Model training.</a:t>
+            </a:r>
+            <a:br>
+              <a:rPr lang="en-US" altLang="en-US" sz="1000" b="1"/>
+            </a:br>
+            <a:br>
+              <a:rPr lang="en-US" altLang="en-US" sz="1000" b="1"/>
+            </a:br>
+            <a:r>
+              <a:rPr lang="en-US" altLang="en-US" sz="1000" b="1"/>
+              <a:t>Performance evaluation.</a:t>
+            </a:r>
+            <a:br>
+              <a:rPr lang="en-US" altLang="en-US" sz="1000" b="1"/>
+            </a:br>
+            <a:endParaRPr lang="en-US" altLang="en-US" sz="1000" b="1"/>
           </a:p>
         </p:txBody>
       </p:sp>
@@ -5447,6 +5767,31 @@
           </a:prstGeom>
         </p:spPr>
       </p:pic>
+      <p:sp>
+        <p:nvSpPr>
+          <p:cNvPr id="5" name="Text Box 4"/>
+          <p:cNvSpPr txBox="1"/>
+          <p:nvPr/>
+        </p:nvSpPr>
+        <p:spPr>
+          <a:xfrm>
+            <a:off x="-88900" y="1212850"/>
+            <a:ext cx="4064000" cy="346710"/>
+          </a:xfrm>
+          <a:prstGeom prst="rect">
+            <a:avLst/>
+          </a:prstGeom>
+          <a:noFill/>
+        </p:spPr>
+        <p:txBody>
+          <a:bodyPr wrap="square" rtlCol="0">
+            <a:noAutofit/>
+          </a:bodyPr>
+          <a:p>
+            <a:endParaRPr lang="en-US"/>
+          </a:p>
+        </p:txBody>
+      </p:sp>
     </p:spTree>
   </p:cSld>
   <p:clrMapOvr>
@@ -5503,7 +5848,7 @@
               <a:t>🛠</a:t>
             </a:r>
             <a:r>
-              <a:rPr lang="" altLang="en-US" sz="2000"/>
+              <a:rPr lang="en-US" altLang="en-US" sz="2000"/>
               <a:t>️</a:t>
             </a:r>
             <a:r>
@@ -5525,11 +5870,11 @@
               <a:t>🏷</a:t>
             </a:r>
             <a:r>
-              <a:rPr lang="" altLang="en-US" sz="2000"/>
+              <a:rPr lang="en-US" altLang="en-US" sz="2000"/>
               <a:t>️</a:t>
             </a:r>
             <a:br>
-              <a:rPr lang="" altLang="en-US" sz="2000"/>
+              <a:rPr lang="en-US" altLang="en-US" sz="2000"/>
             </a:br>
             <a:br>
               <a:rPr lang="en-US" altLang="en-US" sz="2000"/>
@@ -5624,91 +5969,64 @@
             <p:ph type="title"/>
           </p:nvPr>
         </p:nvSpPr>
+        <p:spPr/>
+        <p:txBody>
+          <a:bodyPr/>
+          <a:p>
+            <a:endParaRPr lang="en-US"/>
+          </a:p>
+        </p:txBody>
+      </p:sp>
+      <p:pic>
+        <p:nvPicPr>
+          <p:cNvPr id="4" name="Content Placeholder 3" descr="download (1)"/>
+          <p:cNvPicPr>
+            <a:picLocks noChangeAspect="1"/>
+          </p:cNvPicPr>
+          <p:nvPr>
+            <p:ph idx="1"/>
+          </p:nvPr>
+        </p:nvPicPr>
+        <p:blipFill>
+          <a:blip r:embed="rId1"/>
+          <a:stretch>
+            <a:fillRect/>
+          </a:stretch>
+        </p:blipFill>
         <p:spPr>
           <a:xfrm>
-            <a:off x="3866515" y="190500"/>
-            <a:ext cx="4036060" cy="582930"/>
+            <a:off x="-635" y="3077210"/>
+            <a:ext cx="12126595" cy="3780790"/>
           </a:xfrm>
+          <a:prstGeom prst="rect">
+            <a:avLst/>
+          </a:prstGeom>
         </p:spPr>
-        <p:txBody>
-          <a:bodyPr/>
-          <a:p>
-            <a:r>
-              <a:rPr lang="en-US" altLang="en-US"/>
-              <a:t>Data Visualization</a:t>
-            </a:r>
-            <a:endParaRPr lang="en-US" altLang="en-US"/>
-          </a:p>
-        </p:txBody>
-      </p:sp>
-      <p:sp>
-        <p:nvSpPr>
-          <p:cNvPr id="3" name="Content Placeholder 2"/>
-          <p:cNvSpPr>
-            <a:spLocks noGrp="1"/>
-          </p:cNvSpPr>
-          <p:nvPr>
-            <p:ph idx="1"/>
-          </p:nvPr>
-        </p:nvSpPr>
-        <p:spPr/>
-        <p:txBody>
-          <a:bodyPr/>
-          <a:p>
-            <a:r>
-              <a:rPr lang="en-US" altLang="en-US"/>
-              <a:t>Visualizations Used:</a:t>
-            </a:r>
-            <a:endParaRPr lang="en-US" altLang="en-US"/>
-          </a:p>
-          <a:p>
-            <a:endParaRPr lang="en-US" altLang="en-US"/>
-          </a:p>
-          <a:p>
-            <a:r>
-              <a:rPr lang="en-US" altLang="en-US"/>
-              <a:t>Word Clouds </a:t>
-            </a:r>
-            <a:r>
-              <a:rPr lang="zh-CN" altLang="en-US"/>
-              <a:t>☁</a:t>
-            </a:r>
-            <a:r>
-              <a:rPr lang="" altLang="en-US"/>
-              <a:t>️</a:t>
-            </a:r>
-            <a:endParaRPr lang="" altLang="en-US"/>
-          </a:p>
-          <a:p>
-            <a:endParaRPr lang="en-US" altLang="en-US"/>
-          </a:p>
-          <a:p>
-            <a:r>
-              <a:rPr lang="en-US" altLang="en-US"/>
-              <a:t>Bar charts of most common words </a:t>
-            </a:r>
-            <a:r>
-              <a:rPr lang="zh-CN" altLang="en-US"/>
-              <a:t>📊</a:t>
-            </a:r>
-            <a:endParaRPr lang="zh-CN" altLang="en-US"/>
-          </a:p>
-          <a:p>
-            <a:endParaRPr lang="en-US" altLang="en-US"/>
-          </a:p>
-          <a:p>
-            <a:r>
-              <a:rPr lang="en-US" altLang="en-US"/>
-              <a:t>Pie chart of positive vs. negative reviews </a:t>
-            </a:r>
-            <a:r>
-              <a:rPr lang="zh-CN" altLang="en-US"/>
-              <a:t>🥧</a:t>
-            </a:r>
-            <a:endParaRPr lang="zh-CN" altLang="en-US"/>
-          </a:p>
-        </p:txBody>
-      </p:sp>
+      </p:pic>
+      <p:pic>
+        <p:nvPicPr>
+          <p:cNvPr id="5" name="Picture 4" descr="download"/>
+          <p:cNvPicPr>
+            <a:picLocks noChangeAspect="1"/>
+          </p:cNvPicPr>
+          <p:nvPr/>
+        </p:nvPicPr>
+        <p:blipFill>
+          <a:blip r:embed="rId2"/>
+          <a:stretch>
+            <a:fillRect/>
+          </a:stretch>
+        </p:blipFill>
+        <p:spPr>
+          <a:xfrm>
+            <a:off x="-114935" y="-635"/>
+            <a:ext cx="12401550" cy="3077845"/>
+          </a:xfrm>
+          <a:prstGeom prst="rect">
+            <a:avLst/>
+          </a:prstGeom>
+        </p:spPr>
+      </p:pic>
     </p:spTree>
   </p:cSld>
   <p:clrMapOvr>
